--- a/AP_v2.pptx
+++ b/AP_v2.pptx
@@ -1012,11 +1012,7 @@
         <a:p>
           <a:r>
             <a:rPr lang="pl-PL" dirty="0" smtClean="0"/>
-            <a:t>Ustawienie odpowiedniego czasu trwania kolejnego </a:t>
-          </a:r>
-          <a:r>
-            <a:rPr lang="pl-PL" dirty="0" smtClean="0"/>
-            <a:t>cyklu lub nakazanie pominięcia go</a:t>
+            <a:t>Ustawienie odpowiedniego czasu trwania kolejnego cyklu lub nakazanie pominięcia go</a:t>
           </a:r>
           <a:endParaRPr lang="pl-PL" dirty="0"/>
         </a:p>
@@ -1426,11 +1422,7 @@
           </a:pPr>
           <a:r>
             <a:rPr lang="pl-PL" sz="1700" kern="1200" dirty="0" smtClean="0"/>
-            <a:t>Ustawienie odpowiedniego czasu trwania kolejnego </a:t>
-          </a:r>
-          <a:r>
-            <a:rPr lang="pl-PL" sz="1700" kern="1200" dirty="0" smtClean="0"/>
-            <a:t>cyklu lub nakazanie pominięcia go</a:t>
+            <a:t>Ustawienie odpowiedniego czasu trwania kolejnego cyklu lub nakazanie pominięcia go</a:t>
           </a:r>
           <a:endParaRPr lang="pl-PL" sz="1700" kern="1200" dirty="0"/>
         </a:p>
@@ -3917,7 +3909,7 @@
           <a:noFill/>
           <a:extLst>
             <a:ext uri="{909E8E84-426E-40dd-AFC4-6F175D3DCCD1}">
-              <a14:hiddenFill xmlns="" xmlns:a14="http://schemas.microsoft.com/office/drawing/2010/main">
+              <a14:hiddenFill xmlns:a14="http://schemas.microsoft.com/office/drawing/2010/main" xmlns="">
                 <a:solidFill>
                   <a:srgbClr val="FFFFFF"/>
                 </a:solidFill>
@@ -3977,7 +3969,7 @@
             </a:ln>
             <a:extLst>
               <a:ext uri="{91240B29-F687-4f45-9708-019B960494DF}">
-                <a14:hiddenLine xmlns="" xmlns:a14="http://schemas.microsoft.com/office/drawing/2010/main" w="9525">
+                <a14:hiddenLine xmlns:a14="http://schemas.microsoft.com/office/drawing/2010/main" xmlns="" w="9525">
                   <a:solidFill>
                     <a:srgbClr val="000000"/>
                   </a:solidFill>
@@ -4067,7 +4059,7 @@
             </a:ln>
             <a:extLst>
               <a:ext uri="{91240B29-F687-4f45-9708-019B960494DF}">
-                <a14:hiddenLine xmlns="" xmlns:a14="http://schemas.microsoft.com/office/drawing/2010/main" w="9525">
+                <a14:hiddenLine xmlns:a14="http://schemas.microsoft.com/office/drawing/2010/main" xmlns="" w="9525">
                   <a:solidFill>
                     <a:srgbClr val="000000"/>
                   </a:solidFill>
@@ -4157,7 +4149,7 @@
             </a:ln>
             <a:extLst>
               <a:ext uri="{91240B29-F687-4f45-9708-019B960494DF}">
-                <a14:hiddenLine xmlns="" xmlns:a14="http://schemas.microsoft.com/office/drawing/2010/main" w="9525">
+                <a14:hiddenLine xmlns:a14="http://schemas.microsoft.com/office/drawing/2010/main" xmlns="" w="9525">
                   <a:solidFill>
                     <a:srgbClr val="000000"/>
                   </a:solidFill>
@@ -4191,7 +4183,7 @@
             </a:ln>
             <a:extLst>
               <a:ext uri="{91240B29-F687-4f45-9708-019B960494DF}">
-                <a14:hiddenLine xmlns="" xmlns:a14="http://schemas.microsoft.com/office/drawing/2010/main" w="9525">
+                <a14:hiddenLine xmlns:a14="http://schemas.microsoft.com/office/drawing/2010/main" xmlns="" w="9525">
                   <a:solidFill>
                     <a:srgbClr val="000000"/>
                   </a:solidFill>
@@ -4281,7 +4273,7 @@
             </a:ln>
             <a:extLst>
               <a:ext uri="{91240B29-F687-4f45-9708-019B960494DF}">
-                <a14:hiddenLine xmlns="" xmlns:a14="http://schemas.microsoft.com/office/drawing/2010/main" w="9525">
+                <a14:hiddenLine xmlns:a14="http://schemas.microsoft.com/office/drawing/2010/main" xmlns="" w="9525">
                   <a:solidFill>
                     <a:srgbClr val="000000"/>
                   </a:solidFill>
@@ -4343,7 +4335,7 @@
             </a:ln>
             <a:extLst>
               <a:ext uri="{91240B29-F687-4f45-9708-019B960494DF}">
-                <a14:hiddenLine xmlns="" xmlns:a14="http://schemas.microsoft.com/office/drawing/2010/main" w="9525">
+                <a14:hiddenLine xmlns:a14="http://schemas.microsoft.com/office/drawing/2010/main" xmlns="" w="9525">
                   <a:solidFill>
                     <a:srgbClr val="000000"/>
                   </a:solidFill>
@@ -4405,7 +4397,7 @@
             </a:ln>
             <a:extLst>
               <a:ext uri="{91240B29-F687-4f45-9708-019B960494DF}">
-                <a14:hiddenLine xmlns="" xmlns:a14="http://schemas.microsoft.com/office/drawing/2010/main" w="9525">
+                <a14:hiddenLine xmlns:a14="http://schemas.microsoft.com/office/drawing/2010/main" xmlns="" w="9525">
                   <a:solidFill>
                     <a:srgbClr val="000000"/>
                   </a:solidFill>
@@ -4495,7 +4487,7 @@
             </a:ln>
             <a:extLst>
               <a:ext uri="{91240B29-F687-4f45-9708-019B960494DF}">
-                <a14:hiddenLine xmlns="" xmlns:a14="http://schemas.microsoft.com/office/drawing/2010/main" w="9525">
+                <a14:hiddenLine xmlns:a14="http://schemas.microsoft.com/office/drawing/2010/main" xmlns="" w="9525">
                   <a:solidFill>
                     <a:srgbClr val="000000"/>
                   </a:solidFill>
@@ -4557,7 +4549,7 @@
             </a:ln>
             <a:extLst>
               <a:ext uri="{91240B29-F687-4f45-9708-019B960494DF}">
-                <a14:hiddenLine xmlns="" xmlns:a14="http://schemas.microsoft.com/office/drawing/2010/main" w="9525">
+                <a14:hiddenLine xmlns:a14="http://schemas.microsoft.com/office/drawing/2010/main" xmlns="" w="9525">
                   <a:solidFill>
                     <a:srgbClr val="000000"/>
                   </a:solidFill>
@@ -4619,7 +4611,7 @@
             </a:ln>
             <a:extLst>
               <a:ext uri="{91240B29-F687-4f45-9708-019B960494DF}">
-                <a14:hiddenLine xmlns="" xmlns:a14="http://schemas.microsoft.com/office/drawing/2010/main" w="9525">
+                <a14:hiddenLine xmlns:a14="http://schemas.microsoft.com/office/drawing/2010/main" xmlns="" w="9525">
                   <a:solidFill>
                     <a:srgbClr val="000000"/>
                   </a:solidFill>
@@ -4709,7 +4701,7 @@
             </a:ln>
             <a:extLst>
               <a:ext uri="{91240B29-F687-4f45-9708-019B960494DF}">
-                <a14:hiddenLine xmlns="" xmlns:a14="http://schemas.microsoft.com/office/drawing/2010/main" w="9525">
+                <a14:hiddenLine xmlns:a14="http://schemas.microsoft.com/office/drawing/2010/main" xmlns="" w="9525">
                   <a:solidFill>
                     <a:srgbClr val="000000"/>
                   </a:solidFill>
@@ -4799,7 +4791,7 @@
             </a:ln>
             <a:extLst>
               <a:ext uri="{91240B29-F687-4f45-9708-019B960494DF}">
-                <a14:hiddenLine xmlns="" xmlns:a14="http://schemas.microsoft.com/office/drawing/2010/main" w="9525">
+                <a14:hiddenLine xmlns:a14="http://schemas.microsoft.com/office/drawing/2010/main" xmlns="" w="9525">
                   <a:solidFill>
                     <a:srgbClr val="000000"/>
                   </a:solidFill>
@@ -4861,7 +4853,7 @@
             </a:ln>
             <a:extLst>
               <a:ext uri="{91240B29-F687-4f45-9708-019B960494DF}">
-                <a14:hiddenLine xmlns="" xmlns:a14="http://schemas.microsoft.com/office/drawing/2010/main" w="9525">
+                <a14:hiddenLine xmlns:a14="http://schemas.microsoft.com/office/drawing/2010/main" xmlns="" w="9525">
                   <a:solidFill>
                     <a:srgbClr val="000000"/>
                   </a:solidFill>
@@ -4971,7 +4963,7 @@
             </a:ln>
             <a:extLst>
               <a:ext uri="{91240B29-F687-4f45-9708-019B960494DF}">
-                <a14:hiddenLine xmlns="" xmlns:a14="http://schemas.microsoft.com/office/drawing/2010/main" w="9525">
+                <a14:hiddenLine xmlns:a14="http://schemas.microsoft.com/office/drawing/2010/main" xmlns="" w="9525">
                   <a:solidFill>
                     <a:srgbClr val="000000"/>
                   </a:solidFill>
@@ -5033,7 +5025,7 @@
             </a:ln>
             <a:extLst>
               <a:ext uri="{91240B29-F687-4f45-9708-019B960494DF}">
-                <a14:hiddenLine xmlns="" xmlns:a14="http://schemas.microsoft.com/office/drawing/2010/main" w="9525">
+                <a14:hiddenLine xmlns:a14="http://schemas.microsoft.com/office/drawing/2010/main" xmlns="" w="9525">
                   <a:solidFill>
                     <a:srgbClr val="000000"/>
                   </a:solidFill>
@@ -5123,7 +5115,7 @@
             </a:ln>
             <a:extLst>
               <a:ext uri="{91240B29-F687-4f45-9708-019B960494DF}">
-                <a14:hiddenLine xmlns="" xmlns:a14="http://schemas.microsoft.com/office/drawing/2010/main" w="9525">
+                <a14:hiddenLine xmlns:a14="http://schemas.microsoft.com/office/drawing/2010/main" xmlns="" w="9525">
                   <a:solidFill>
                     <a:srgbClr val="000000"/>
                   </a:solidFill>
@@ -5213,7 +5205,7 @@
             </a:ln>
             <a:extLst>
               <a:ext uri="{91240B29-F687-4f45-9708-019B960494DF}">
-                <a14:hiddenLine xmlns="" xmlns:a14="http://schemas.microsoft.com/office/drawing/2010/main" w="9525">
+                <a14:hiddenLine xmlns:a14="http://schemas.microsoft.com/office/drawing/2010/main" xmlns="" w="9525">
                   <a:solidFill>
                     <a:srgbClr val="000000"/>
                   </a:solidFill>
@@ -5275,7 +5267,7 @@
             </a:ln>
             <a:extLst>
               <a:ext uri="{91240B29-F687-4f45-9708-019B960494DF}">
-                <a14:hiddenLine xmlns="" xmlns:a14="http://schemas.microsoft.com/office/drawing/2010/main" w="9525">
+                <a14:hiddenLine xmlns:a14="http://schemas.microsoft.com/office/drawing/2010/main" xmlns="" w="9525">
                   <a:solidFill>
                     <a:srgbClr val="000000"/>
                   </a:solidFill>
@@ -5365,7 +5357,7 @@
             </a:ln>
             <a:extLst>
               <a:ext uri="{91240B29-F687-4f45-9708-019B960494DF}">
-                <a14:hiddenLine xmlns="" xmlns:a14="http://schemas.microsoft.com/office/drawing/2010/main" w="9525">
+                <a14:hiddenLine xmlns:a14="http://schemas.microsoft.com/office/drawing/2010/main" xmlns="" w="9525">
                   <a:solidFill>
                     <a:srgbClr val="000000"/>
                   </a:solidFill>
@@ -5455,7 +5447,7 @@
             </a:ln>
             <a:extLst>
               <a:ext uri="{91240B29-F687-4f45-9708-019B960494DF}">
-                <a14:hiddenLine xmlns="" xmlns:a14="http://schemas.microsoft.com/office/drawing/2010/main" w="9525">
+                <a14:hiddenLine xmlns:a14="http://schemas.microsoft.com/office/drawing/2010/main" xmlns="" w="9525">
                   <a:solidFill>
                     <a:srgbClr val="000000"/>
                   </a:solidFill>
@@ -5511,7 +5503,7 @@
             </a:ln>
             <a:extLst>
               <a:ext uri="{91240B29-F687-4f45-9708-019B960494DF}">
-                <a14:hiddenLine xmlns="" xmlns:a14="http://schemas.microsoft.com/office/drawing/2010/main" w="9525">
+                <a14:hiddenLine xmlns:a14="http://schemas.microsoft.com/office/drawing/2010/main" xmlns="" w="9525">
                   <a:solidFill>
                     <a:srgbClr val="000000"/>
                   </a:solidFill>
@@ -5601,7 +5593,7 @@
             </a:ln>
             <a:extLst>
               <a:ext uri="{91240B29-F687-4f45-9708-019B960494DF}">
-                <a14:hiddenLine xmlns="" xmlns:a14="http://schemas.microsoft.com/office/drawing/2010/main" w="9525">
+                <a14:hiddenLine xmlns:a14="http://schemas.microsoft.com/office/drawing/2010/main" xmlns="" w="9525">
                   <a:solidFill>
                     <a:srgbClr val="000000"/>
                   </a:solidFill>
@@ -5657,7 +5649,7 @@
             </a:ln>
             <a:extLst>
               <a:ext uri="{91240B29-F687-4f45-9708-019B960494DF}">
-                <a14:hiddenLine xmlns="" xmlns:a14="http://schemas.microsoft.com/office/drawing/2010/main" w="9525">
+                <a14:hiddenLine xmlns:a14="http://schemas.microsoft.com/office/drawing/2010/main" xmlns="" w="9525">
                   <a:solidFill>
                     <a:srgbClr val="000000"/>
                   </a:solidFill>
@@ -5747,7 +5739,7 @@
             </a:ln>
             <a:extLst>
               <a:ext uri="{91240B29-F687-4f45-9708-019B960494DF}">
-                <a14:hiddenLine xmlns="" xmlns:a14="http://schemas.microsoft.com/office/drawing/2010/main" w="9525">
+                <a14:hiddenLine xmlns:a14="http://schemas.microsoft.com/office/drawing/2010/main" xmlns="" w="9525">
                   <a:solidFill>
                     <a:srgbClr val="000000"/>
                   </a:solidFill>
@@ -5815,7 +5807,7 @@
             </a:ln>
             <a:extLst>
               <a:ext uri="{91240B29-F687-4f45-9708-019B960494DF}">
-                <a14:hiddenLine xmlns="" xmlns:a14="http://schemas.microsoft.com/office/drawing/2010/main" w="9525">
+                <a14:hiddenLine xmlns:a14="http://schemas.microsoft.com/office/drawing/2010/main" xmlns="" w="9525">
                   <a:solidFill>
                     <a:srgbClr val="000000"/>
                   </a:solidFill>
@@ -5905,7 +5897,7 @@
             </a:ln>
             <a:extLst>
               <a:ext uri="{91240B29-F687-4f45-9708-019B960494DF}">
-                <a14:hiddenLine xmlns="" xmlns:a14="http://schemas.microsoft.com/office/drawing/2010/main" w="9525">
+                <a14:hiddenLine xmlns:a14="http://schemas.microsoft.com/office/drawing/2010/main" xmlns="" w="9525">
                   <a:solidFill>
                     <a:srgbClr val="000000"/>
                   </a:solidFill>
@@ -5973,7 +5965,7 @@
             </a:ln>
             <a:extLst>
               <a:ext uri="{91240B29-F687-4f45-9708-019B960494DF}">
-                <a14:hiddenLine xmlns="" xmlns:a14="http://schemas.microsoft.com/office/drawing/2010/main" w="9525">
+                <a14:hiddenLine xmlns:a14="http://schemas.microsoft.com/office/drawing/2010/main" xmlns="" w="9525">
                   <a:solidFill>
                     <a:srgbClr val="000000"/>
                   </a:solidFill>
@@ -6063,7 +6055,7 @@
             </a:ln>
             <a:extLst>
               <a:ext uri="{91240B29-F687-4f45-9708-019B960494DF}">
-                <a14:hiddenLine xmlns="" xmlns:a14="http://schemas.microsoft.com/office/drawing/2010/main" w="9525">
+                <a14:hiddenLine xmlns:a14="http://schemas.microsoft.com/office/drawing/2010/main" xmlns="" w="9525">
                   <a:solidFill>
                     <a:srgbClr val="000000"/>
                   </a:solidFill>
@@ -6097,7 +6089,7 @@
             </a:ln>
             <a:extLst>
               <a:ext uri="{91240B29-F687-4f45-9708-019B960494DF}">
-                <a14:hiddenLine xmlns="" xmlns:a14="http://schemas.microsoft.com/office/drawing/2010/main" w="9525">
+                <a14:hiddenLine xmlns:a14="http://schemas.microsoft.com/office/drawing/2010/main" xmlns="" w="9525">
                   <a:solidFill>
                     <a:srgbClr val="000000"/>
                   </a:solidFill>
@@ -6187,7 +6179,7 @@
             </a:ln>
             <a:extLst>
               <a:ext uri="{91240B29-F687-4f45-9708-019B960494DF}">
-                <a14:hiddenLine xmlns="" xmlns:a14="http://schemas.microsoft.com/office/drawing/2010/main" w="9525">
+                <a14:hiddenLine xmlns:a14="http://schemas.microsoft.com/office/drawing/2010/main" xmlns="" w="9525">
                   <a:solidFill>
                     <a:srgbClr val="000000"/>
                   </a:solidFill>
@@ -6249,7 +6241,7 @@
             </a:ln>
             <a:extLst>
               <a:ext uri="{91240B29-F687-4f45-9708-019B960494DF}">
-                <a14:hiddenLine xmlns="" xmlns:a14="http://schemas.microsoft.com/office/drawing/2010/main" w="9525">
+                <a14:hiddenLine xmlns:a14="http://schemas.microsoft.com/office/drawing/2010/main" xmlns="" w="9525">
                   <a:solidFill>
                     <a:srgbClr val="000000"/>
                   </a:solidFill>
@@ -6311,7 +6303,7 @@
             </a:ln>
             <a:extLst>
               <a:ext uri="{91240B29-F687-4f45-9708-019B960494DF}">
-                <a14:hiddenLine xmlns="" xmlns:a14="http://schemas.microsoft.com/office/drawing/2010/main" w="9525">
+                <a14:hiddenLine xmlns:a14="http://schemas.microsoft.com/office/drawing/2010/main" xmlns="" w="9525">
                   <a:solidFill>
                     <a:srgbClr val="000000"/>
                   </a:solidFill>
@@ -6401,7 +6393,7 @@
             </a:ln>
             <a:extLst>
               <a:ext uri="{91240B29-F687-4f45-9708-019B960494DF}">
-                <a14:hiddenLine xmlns="" xmlns:a14="http://schemas.microsoft.com/office/drawing/2010/main" w="9525">
+                <a14:hiddenLine xmlns:a14="http://schemas.microsoft.com/office/drawing/2010/main" xmlns="" w="9525">
                   <a:solidFill>
                     <a:srgbClr val="000000"/>
                   </a:solidFill>
@@ -6469,7 +6461,7 @@
             </a:ln>
             <a:extLst>
               <a:ext uri="{91240B29-F687-4f45-9708-019B960494DF}">
-                <a14:hiddenLine xmlns="" xmlns:a14="http://schemas.microsoft.com/office/drawing/2010/main" w="9525">
+                <a14:hiddenLine xmlns:a14="http://schemas.microsoft.com/office/drawing/2010/main" xmlns="" w="9525">
                   <a:solidFill>
                     <a:srgbClr val="000000"/>
                   </a:solidFill>
@@ -6531,7 +6523,7 @@
             </a:ln>
             <a:extLst>
               <a:ext uri="{91240B29-F687-4f45-9708-019B960494DF}">
-                <a14:hiddenLine xmlns="" xmlns:a14="http://schemas.microsoft.com/office/drawing/2010/main" w="9525">
+                <a14:hiddenLine xmlns:a14="http://schemas.microsoft.com/office/drawing/2010/main" xmlns="" w="9525">
                   <a:solidFill>
                     <a:srgbClr val="000000"/>
                   </a:solidFill>
@@ -6621,7 +6613,7 @@
             </a:ln>
             <a:extLst>
               <a:ext uri="{91240B29-F687-4f45-9708-019B960494DF}">
-                <a14:hiddenLine xmlns="" xmlns:a14="http://schemas.microsoft.com/office/drawing/2010/main" w="9525">
+                <a14:hiddenLine xmlns:a14="http://schemas.microsoft.com/office/drawing/2010/main" xmlns="" w="9525">
                   <a:solidFill>
                     <a:srgbClr val="000000"/>
                   </a:solidFill>
@@ -6683,7 +6675,7 @@
             </a:ln>
             <a:extLst>
               <a:ext uri="{91240B29-F687-4f45-9708-019B960494DF}">
-                <a14:hiddenLine xmlns="" xmlns:a14="http://schemas.microsoft.com/office/drawing/2010/main" w="9525">
+                <a14:hiddenLine xmlns:a14="http://schemas.microsoft.com/office/drawing/2010/main" xmlns="" w="9525">
                   <a:solidFill>
                     <a:srgbClr val="000000"/>
                   </a:solidFill>
@@ -6773,7 +6765,7 @@
             </a:ln>
             <a:extLst>
               <a:ext uri="{91240B29-F687-4f45-9708-019B960494DF}">
-                <a14:hiddenLine xmlns="" xmlns:a14="http://schemas.microsoft.com/office/drawing/2010/main" w="9525">
+                <a14:hiddenLine xmlns:a14="http://schemas.microsoft.com/office/drawing/2010/main" xmlns="" w="9525">
                   <a:solidFill>
                     <a:srgbClr val="000000"/>
                   </a:solidFill>
@@ -6835,7 +6827,7 @@
             </a:ln>
             <a:extLst>
               <a:ext uri="{91240B29-F687-4f45-9708-019B960494DF}">
-                <a14:hiddenLine xmlns="" xmlns:a14="http://schemas.microsoft.com/office/drawing/2010/main" w="9525">
+                <a14:hiddenLine xmlns:a14="http://schemas.microsoft.com/office/drawing/2010/main" xmlns="" w="9525">
                   <a:solidFill>
                     <a:srgbClr val="000000"/>
                   </a:solidFill>
@@ -6925,7 +6917,7 @@
             </a:ln>
             <a:extLst>
               <a:ext uri="{91240B29-F687-4f45-9708-019B960494DF}">
-                <a14:hiddenLine xmlns="" xmlns:a14="http://schemas.microsoft.com/office/drawing/2010/main" w="9525">
+                <a14:hiddenLine xmlns:a14="http://schemas.microsoft.com/office/drawing/2010/main" xmlns="" w="9525">
                   <a:solidFill>
                     <a:srgbClr val="000000"/>
                   </a:solidFill>
@@ -6959,7 +6951,7 @@
             </a:ln>
             <a:extLst>
               <a:ext uri="{91240B29-F687-4f45-9708-019B960494DF}">
-                <a14:hiddenLine xmlns="" xmlns:a14="http://schemas.microsoft.com/office/drawing/2010/main" w="9525">
+                <a14:hiddenLine xmlns:a14="http://schemas.microsoft.com/office/drawing/2010/main" xmlns="" w="9525">
                   <a:solidFill>
                     <a:srgbClr val="000000"/>
                   </a:solidFill>
@@ -7024,7 +7016,7 @@
             </a:ln>
             <a:extLst>
               <a:ext uri="{91240B29-F687-4f45-9708-019B960494DF}">
-                <a14:hiddenLine xmlns="" xmlns:a14="http://schemas.microsoft.com/office/drawing/2010/main" w="9525">
+                <a14:hiddenLine xmlns:a14="http://schemas.microsoft.com/office/drawing/2010/main" xmlns="" w="9525">
                   <a:solidFill>
                     <a:srgbClr val="000000"/>
                   </a:solidFill>
@@ -7114,7 +7106,7 @@
             </a:ln>
             <a:extLst>
               <a:ext uri="{91240B29-F687-4f45-9708-019B960494DF}">
-                <a14:hiddenLine xmlns="" xmlns:a14="http://schemas.microsoft.com/office/drawing/2010/main" w="9525">
+                <a14:hiddenLine xmlns:a14="http://schemas.microsoft.com/office/drawing/2010/main" xmlns="" w="9525">
                   <a:solidFill>
                     <a:srgbClr val="000000"/>
                   </a:solidFill>
@@ -7176,7 +7168,7 @@
             </a:ln>
             <a:extLst>
               <a:ext uri="{91240B29-F687-4f45-9708-019B960494DF}">
-                <a14:hiddenLine xmlns="" xmlns:a14="http://schemas.microsoft.com/office/drawing/2010/main" w="9525">
+                <a14:hiddenLine xmlns:a14="http://schemas.microsoft.com/office/drawing/2010/main" xmlns="" w="9525">
                   <a:solidFill>
                     <a:srgbClr val="000000"/>
                   </a:solidFill>
@@ -7266,7 +7258,7 @@
             </a:ln>
             <a:extLst>
               <a:ext uri="{91240B29-F687-4f45-9708-019B960494DF}">
-                <a14:hiddenLine xmlns="" xmlns:a14="http://schemas.microsoft.com/office/drawing/2010/main" w="9525">
+                <a14:hiddenLine xmlns:a14="http://schemas.microsoft.com/office/drawing/2010/main" xmlns="" w="9525">
                   <a:solidFill>
                     <a:srgbClr val="000000"/>
                   </a:solidFill>
@@ -7356,7 +7348,7 @@
             </a:ln>
             <a:extLst>
               <a:ext uri="{91240B29-F687-4f45-9708-019B960494DF}">
-                <a14:hiddenLine xmlns="" xmlns:a14="http://schemas.microsoft.com/office/drawing/2010/main" w="9525">
+                <a14:hiddenLine xmlns:a14="http://schemas.microsoft.com/office/drawing/2010/main" xmlns="" w="9525">
                   <a:solidFill>
                     <a:srgbClr val="000000"/>
                   </a:solidFill>
@@ -7421,7 +7413,7 @@
             </a:ln>
             <a:extLst>
               <a:ext uri="{91240B29-F687-4f45-9708-019B960494DF}">
-                <a14:hiddenLine xmlns="" xmlns:a14="http://schemas.microsoft.com/office/drawing/2010/main" w="9525">
+                <a14:hiddenLine xmlns:a14="http://schemas.microsoft.com/office/drawing/2010/main" xmlns="" w="9525">
                   <a:solidFill>
                     <a:srgbClr val="000000"/>
                   </a:solidFill>
@@ -7483,7 +7475,7 @@
             </a:ln>
             <a:extLst>
               <a:ext uri="{91240B29-F687-4f45-9708-019B960494DF}">
-                <a14:hiddenLine xmlns="" xmlns:a14="http://schemas.microsoft.com/office/drawing/2010/main" w="9525">
+                <a14:hiddenLine xmlns:a14="http://schemas.microsoft.com/office/drawing/2010/main" xmlns="" w="9525">
                   <a:solidFill>
                     <a:srgbClr val="000000"/>
                   </a:solidFill>
@@ -7573,7 +7565,7 @@
             </a:ln>
             <a:extLst>
               <a:ext uri="{91240B29-F687-4f45-9708-019B960494DF}">
-                <a14:hiddenLine xmlns="" xmlns:a14="http://schemas.microsoft.com/office/drawing/2010/main" w="9525">
+                <a14:hiddenLine xmlns:a14="http://schemas.microsoft.com/office/drawing/2010/main" xmlns="" w="9525">
                   <a:solidFill>
                     <a:srgbClr val="000000"/>
                   </a:solidFill>
@@ -7663,7 +7655,7 @@
             </a:ln>
             <a:extLst>
               <a:ext uri="{91240B29-F687-4f45-9708-019B960494DF}">
-                <a14:hiddenLine xmlns="" xmlns:a14="http://schemas.microsoft.com/office/drawing/2010/main" w="9525">
+                <a14:hiddenLine xmlns:a14="http://schemas.microsoft.com/office/drawing/2010/main" xmlns="" w="9525">
                   <a:solidFill>
                     <a:srgbClr val="000000"/>
                   </a:solidFill>
@@ -7725,7 +7717,7 @@
             </a:ln>
             <a:extLst>
               <a:ext uri="{91240B29-F687-4f45-9708-019B960494DF}">
-                <a14:hiddenLine xmlns="" xmlns:a14="http://schemas.microsoft.com/office/drawing/2010/main" w="9525">
+                <a14:hiddenLine xmlns:a14="http://schemas.microsoft.com/office/drawing/2010/main" xmlns="" w="9525">
                   <a:solidFill>
                     <a:srgbClr val="000000"/>
                   </a:solidFill>
@@ -7845,7 +7837,7 @@
             </a:ln>
             <a:extLst>
               <a:ext uri="{91240B29-F687-4f45-9708-019B960494DF}">
-                <a14:hiddenLine xmlns="" xmlns:a14="http://schemas.microsoft.com/office/drawing/2010/main" w="9525">
+                <a14:hiddenLine xmlns:a14="http://schemas.microsoft.com/office/drawing/2010/main" xmlns="" w="9525">
                   <a:solidFill>
                     <a:srgbClr val="000000"/>
                   </a:solidFill>
@@ -7913,7 +7905,7 @@
             </a:ln>
             <a:extLst>
               <a:ext uri="{91240B29-F687-4f45-9708-019B960494DF}">
-                <a14:hiddenLine xmlns="" xmlns:a14="http://schemas.microsoft.com/office/drawing/2010/main" w="9525">
+                <a14:hiddenLine xmlns:a14="http://schemas.microsoft.com/office/drawing/2010/main" xmlns="" w="9525">
                   <a:solidFill>
                     <a:srgbClr val="000000"/>
                   </a:solidFill>
@@ -8003,7 +7995,7 @@
             </a:ln>
             <a:extLst>
               <a:ext uri="{91240B29-F687-4f45-9708-019B960494DF}">
-                <a14:hiddenLine xmlns="" xmlns:a14="http://schemas.microsoft.com/office/drawing/2010/main" w="9525">
+                <a14:hiddenLine xmlns:a14="http://schemas.microsoft.com/office/drawing/2010/main" xmlns="" w="9525">
                   <a:solidFill>
                     <a:srgbClr val="000000"/>
                   </a:solidFill>
@@ -12818,7 +12810,7 @@
           <a:noFill/>
           <a:extLst>
             <a:ext uri="{909E8E84-426E-40dd-AFC4-6F175D3DCCD1}">
-              <a14:hiddenFill xmlns="" xmlns:a14="http://schemas.microsoft.com/office/drawing/2010/main">
+              <a14:hiddenFill xmlns:a14="http://schemas.microsoft.com/office/drawing/2010/main" xmlns="">
                 <a:solidFill>
                   <a:srgbClr val="FFFFFF"/>
                 </a:solidFill>
@@ -12892,7 +12884,7 @@
               </a:ln>
               <a:extLst>
                 <a:ext uri="{91240B29-F687-4f45-9708-019B960494DF}">
-                  <a14:hiddenLine xmlns="" xmlns:a14="http://schemas.microsoft.com/office/drawing/2010/main" w="9525">
+                  <a14:hiddenLine xmlns:a14="http://schemas.microsoft.com/office/drawing/2010/main" xmlns="" w="9525">
                     <a:solidFill>
                       <a:srgbClr val="000000"/>
                     </a:solidFill>
@@ -12982,7 +12974,7 @@
               </a:ln>
               <a:extLst>
                 <a:ext uri="{91240B29-F687-4f45-9708-019B960494DF}">
-                  <a14:hiddenLine xmlns="" xmlns:a14="http://schemas.microsoft.com/office/drawing/2010/main" w="9525">
+                  <a14:hiddenLine xmlns:a14="http://schemas.microsoft.com/office/drawing/2010/main" xmlns="" w="9525">
                     <a:solidFill>
                       <a:srgbClr val="000000"/>
                     </a:solidFill>
@@ -13072,7 +13064,7 @@
               </a:ln>
               <a:extLst>
                 <a:ext uri="{91240B29-F687-4f45-9708-019B960494DF}">
-                  <a14:hiddenLine xmlns="" xmlns:a14="http://schemas.microsoft.com/office/drawing/2010/main" w="9525">
+                  <a14:hiddenLine xmlns:a14="http://schemas.microsoft.com/office/drawing/2010/main" xmlns="" w="9525">
                     <a:solidFill>
                       <a:srgbClr val="000000"/>
                     </a:solidFill>
@@ -13134,7 +13126,7 @@
               </a:ln>
               <a:extLst>
                 <a:ext uri="{91240B29-F687-4f45-9708-019B960494DF}">
-                  <a14:hiddenLine xmlns="" xmlns:a14="http://schemas.microsoft.com/office/drawing/2010/main" w="9525">
+                  <a14:hiddenLine xmlns:a14="http://schemas.microsoft.com/office/drawing/2010/main" xmlns="" w="9525">
                     <a:solidFill>
                       <a:srgbClr val="000000"/>
                     </a:solidFill>
@@ -13224,7 +13216,7 @@
               </a:ln>
               <a:extLst>
                 <a:ext uri="{91240B29-F687-4f45-9708-019B960494DF}">
-                  <a14:hiddenLine xmlns="" xmlns:a14="http://schemas.microsoft.com/office/drawing/2010/main" w="9525">
+                  <a14:hiddenLine xmlns:a14="http://schemas.microsoft.com/office/drawing/2010/main" xmlns="" w="9525">
                     <a:solidFill>
                       <a:srgbClr val="000000"/>
                     </a:solidFill>
@@ -13286,7 +13278,7 @@
               </a:ln>
               <a:extLst>
                 <a:ext uri="{91240B29-F687-4f45-9708-019B960494DF}">
-                  <a14:hiddenLine xmlns="" xmlns:a14="http://schemas.microsoft.com/office/drawing/2010/main" w="9525">
+                  <a14:hiddenLine xmlns:a14="http://schemas.microsoft.com/office/drawing/2010/main" xmlns="" w="9525">
                     <a:solidFill>
                       <a:srgbClr val="000000"/>
                     </a:solidFill>
@@ -13348,7 +13340,7 @@
               </a:ln>
               <a:extLst>
                 <a:ext uri="{91240B29-F687-4f45-9708-019B960494DF}">
-                  <a14:hiddenLine xmlns="" xmlns:a14="http://schemas.microsoft.com/office/drawing/2010/main" w="9525">
+                  <a14:hiddenLine xmlns:a14="http://schemas.microsoft.com/office/drawing/2010/main" xmlns="" w="9525">
                     <a:solidFill>
                       <a:srgbClr val="000000"/>
                     </a:solidFill>
@@ -13438,7 +13430,7 @@
               </a:ln>
               <a:extLst>
                 <a:ext uri="{91240B29-F687-4f45-9708-019B960494DF}">
-                  <a14:hiddenLine xmlns="" xmlns:a14="http://schemas.microsoft.com/office/drawing/2010/main" w="9525">
+                  <a14:hiddenLine xmlns:a14="http://schemas.microsoft.com/office/drawing/2010/main" xmlns="" w="9525">
                     <a:solidFill>
                       <a:srgbClr val="000000"/>
                     </a:solidFill>
@@ -13528,7 +13520,7 @@
               </a:ln>
               <a:extLst>
                 <a:ext uri="{91240B29-F687-4f45-9708-019B960494DF}">
-                  <a14:hiddenLine xmlns="" xmlns:a14="http://schemas.microsoft.com/office/drawing/2010/main" w="9525">
+                  <a14:hiddenLine xmlns:a14="http://schemas.microsoft.com/office/drawing/2010/main" xmlns="" w="9525">
                     <a:solidFill>
                       <a:srgbClr val="000000"/>
                     </a:solidFill>
@@ -13590,7 +13582,7 @@
               </a:ln>
               <a:extLst>
                 <a:ext uri="{91240B29-F687-4f45-9708-019B960494DF}">
-                  <a14:hiddenLine xmlns="" xmlns:a14="http://schemas.microsoft.com/office/drawing/2010/main" w="9525">
+                  <a14:hiddenLine xmlns:a14="http://schemas.microsoft.com/office/drawing/2010/main" xmlns="" w="9525">
                     <a:solidFill>
                       <a:srgbClr val="000000"/>
                     </a:solidFill>
@@ -13700,7 +13692,7 @@
               </a:ln>
               <a:extLst>
                 <a:ext uri="{91240B29-F687-4f45-9708-019B960494DF}">
-                  <a14:hiddenLine xmlns="" xmlns:a14="http://schemas.microsoft.com/office/drawing/2010/main" w="9525">
+                  <a14:hiddenLine xmlns:a14="http://schemas.microsoft.com/office/drawing/2010/main" xmlns="" w="9525">
                     <a:solidFill>
                       <a:srgbClr val="000000"/>
                     </a:solidFill>
@@ -13784,7 +13776,7 @@
               </a:ln>
               <a:extLst>
                 <a:ext uri="{91240B29-F687-4f45-9708-019B960494DF}">
-                  <a14:hiddenLine xmlns="" xmlns:a14="http://schemas.microsoft.com/office/drawing/2010/main" w="9525">
+                  <a14:hiddenLine xmlns:a14="http://schemas.microsoft.com/office/drawing/2010/main" xmlns="" w="9525">
                     <a:solidFill>
                       <a:srgbClr val="000000"/>
                     </a:solidFill>
@@ -13846,7 +13838,7 @@
               </a:ln>
               <a:extLst>
                 <a:ext uri="{91240B29-F687-4f45-9708-019B960494DF}">
-                  <a14:hiddenLine xmlns="" xmlns:a14="http://schemas.microsoft.com/office/drawing/2010/main" w="9525">
+                  <a14:hiddenLine xmlns:a14="http://schemas.microsoft.com/office/drawing/2010/main" xmlns="" w="9525">
                     <a:solidFill>
                       <a:srgbClr val="000000"/>
                     </a:solidFill>
@@ -13908,7 +13900,7 @@
               </a:ln>
               <a:extLst>
                 <a:ext uri="{91240B29-F687-4f45-9708-019B960494DF}">
-                  <a14:hiddenLine xmlns="" xmlns:a14="http://schemas.microsoft.com/office/drawing/2010/main" w="9525">
+                  <a14:hiddenLine xmlns:a14="http://schemas.microsoft.com/office/drawing/2010/main" xmlns="" w="9525">
                     <a:solidFill>
                       <a:srgbClr val="000000"/>
                     </a:solidFill>
@@ -13998,7 +13990,7 @@
               </a:ln>
               <a:extLst>
                 <a:ext uri="{91240B29-F687-4f45-9708-019B960494DF}">
-                  <a14:hiddenLine xmlns="" xmlns:a14="http://schemas.microsoft.com/office/drawing/2010/main" w="9525">
+                  <a14:hiddenLine xmlns:a14="http://schemas.microsoft.com/office/drawing/2010/main" xmlns="" w="9525">
                     <a:solidFill>
                       <a:srgbClr val="000000"/>
                     </a:solidFill>
@@ -14032,7 +14024,7 @@
               </a:ln>
               <a:extLst>
                 <a:ext uri="{91240B29-F687-4f45-9708-019B960494DF}">
-                  <a14:hiddenLine xmlns="" xmlns:a14="http://schemas.microsoft.com/office/drawing/2010/main" w="9525">
+                  <a14:hiddenLine xmlns:a14="http://schemas.microsoft.com/office/drawing/2010/main" xmlns="" w="9525">
                     <a:solidFill>
                       <a:srgbClr val="000000"/>
                     </a:solidFill>
@@ -14097,7 +14089,7 @@
               </a:ln>
               <a:extLst>
                 <a:ext uri="{91240B29-F687-4f45-9708-019B960494DF}">
-                  <a14:hiddenLine xmlns="" xmlns:a14="http://schemas.microsoft.com/office/drawing/2010/main" w="9525">
+                  <a14:hiddenLine xmlns:a14="http://schemas.microsoft.com/office/drawing/2010/main" xmlns="" w="9525">
                     <a:solidFill>
                       <a:srgbClr val="000000"/>
                     </a:solidFill>
@@ -14187,7 +14179,7 @@
               </a:ln>
               <a:extLst>
                 <a:ext uri="{91240B29-F687-4f45-9708-019B960494DF}">
-                  <a14:hiddenLine xmlns="" xmlns:a14="http://schemas.microsoft.com/office/drawing/2010/main" w="9525">
+                  <a14:hiddenLine xmlns:a14="http://schemas.microsoft.com/office/drawing/2010/main" xmlns="" w="9525">
                     <a:solidFill>
                       <a:srgbClr val="000000"/>
                     </a:solidFill>
@@ -14249,7 +14241,7 @@
               </a:ln>
               <a:extLst>
                 <a:ext uri="{91240B29-F687-4f45-9708-019B960494DF}">
-                  <a14:hiddenLine xmlns="" xmlns:a14="http://schemas.microsoft.com/office/drawing/2010/main" w="9525">
+                  <a14:hiddenLine xmlns:a14="http://schemas.microsoft.com/office/drawing/2010/main" xmlns="" w="9525">
                     <a:solidFill>
                       <a:srgbClr val="000000"/>
                     </a:solidFill>
@@ -14339,7 +14331,7 @@
               </a:ln>
               <a:extLst>
                 <a:ext uri="{91240B29-F687-4f45-9708-019B960494DF}">
-                  <a14:hiddenLine xmlns="" xmlns:a14="http://schemas.microsoft.com/office/drawing/2010/main" w="9525">
+                  <a14:hiddenLine xmlns:a14="http://schemas.microsoft.com/office/drawing/2010/main" xmlns="" w="9525">
                     <a:solidFill>
                       <a:srgbClr val="000000"/>
                     </a:solidFill>
@@ -14404,7 +14396,7 @@
               </a:ln>
               <a:extLst>
                 <a:ext uri="{91240B29-F687-4f45-9708-019B960494DF}">
-                  <a14:hiddenLine xmlns="" xmlns:a14="http://schemas.microsoft.com/office/drawing/2010/main" w="9525">
+                  <a14:hiddenLine xmlns:a14="http://schemas.microsoft.com/office/drawing/2010/main" xmlns="" w="9525">
                     <a:solidFill>
                       <a:srgbClr val="000000"/>
                     </a:solidFill>
@@ -14466,7 +14458,7 @@
               </a:ln>
               <a:extLst>
                 <a:ext uri="{91240B29-F687-4f45-9708-019B960494DF}">
-                  <a14:hiddenLine xmlns="" xmlns:a14="http://schemas.microsoft.com/office/drawing/2010/main" w="9525">
+                  <a14:hiddenLine xmlns:a14="http://schemas.microsoft.com/office/drawing/2010/main" xmlns="" w="9525">
                     <a:solidFill>
                       <a:srgbClr val="000000"/>
                     </a:solidFill>
@@ -14556,7 +14548,7 @@
               </a:ln>
               <a:extLst>
                 <a:ext uri="{91240B29-F687-4f45-9708-019B960494DF}">
-                  <a14:hiddenLine xmlns="" xmlns:a14="http://schemas.microsoft.com/office/drawing/2010/main" w="9525">
+                  <a14:hiddenLine xmlns:a14="http://schemas.microsoft.com/office/drawing/2010/main" xmlns="" w="9525">
                     <a:solidFill>
                       <a:srgbClr val="000000"/>
                     </a:solidFill>
@@ -14646,7 +14638,7 @@
               </a:ln>
               <a:extLst>
                 <a:ext uri="{91240B29-F687-4f45-9708-019B960494DF}">
-                  <a14:hiddenLine xmlns="" xmlns:a14="http://schemas.microsoft.com/office/drawing/2010/main" w="9525">
+                  <a14:hiddenLine xmlns:a14="http://schemas.microsoft.com/office/drawing/2010/main" xmlns="" w="9525">
                     <a:solidFill>
                       <a:srgbClr val="000000"/>
                     </a:solidFill>
@@ -14711,7 +14703,7 @@
               </a:ln>
               <a:extLst>
                 <a:ext uri="{91240B29-F687-4f45-9708-019B960494DF}">
-                  <a14:hiddenLine xmlns="" xmlns:a14="http://schemas.microsoft.com/office/drawing/2010/main" w="9525">
+                  <a14:hiddenLine xmlns:a14="http://schemas.microsoft.com/office/drawing/2010/main" xmlns="" w="9525">
                     <a:solidFill>
                       <a:srgbClr val="000000"/>
                     </a:solidFill>
@@ -14831,7 +14823,7 @@
               </a:ln>
               <a:extLst>
                 <a:ext uri="{91240B29-F687-4f45-9708-019B960494DF}">
-                  <a14:hiddenLine xmlns="" xmlns:a14="http://schemas.microsoft.com/office/drawing/2010/main" w="9525">
+                  <a14:hiddenLine xmlns:a14="http://schemas.microsoft.com/office/drawing/2010/main" xmlns="" w="9525">
                     <a:solidFill>
                       <a:srgbClr val="000000"/>
                     </a:solidFill>
@@ -14929,7 +14921,7 @@
               </a:ln>
               <a:extLst>
                 <a:ext uri="{91240B29-F687-4f45-9708-019B960494DF}">
-                  <a14:hiddenLine xmlns="" xmlns:a14="http://schemas.microsoft.com/office/drawing/2010/main" w="9525">
+                  <a14:hiddenLine xmlns:a14="http://schemas.microsoft.com/office/drawing/2010/main" xmlns="" w="9525">
                     <a:solidFill>
                       <a:srgbClr val="000000"/>
                     </a:solidFill>
@@ -15044,7 +15036,7 @@
               </a:ln>
               <a:extLst>
                 <a:ext uri="{91240B29-F687-4f45-9708-019B960494DF}">
-                  <a14:hiddenLine xmlns="" xmlns:a14="http://schemas.microsoft.com/office/drawing/2010/main" w="9525">
+                  <a14:hiddenLine xmlns:a14="http://schemas.microsoft.com/office/drawing/2010/main" xmlns="" w="9525">
                     <a:solidFill>
                       <a:srgbClr val="000000"/>
                     </a:solidFill>
@@ -15134,7 +15126,7 @@
               </a:ln>
               <a:extLst>
                 <a:ext uri="{91240B29-F687-4f45-9708-019B960494DF}">
-                  <a14:hiddenLine xmlns="" xmlns:a14="http://schemas.microsoft.com/office/drawing/2010/main" w="9525">
+                  <a14:hiddenLine xmlns:a14="http://schemas.microsoft.com/office/drawing/2010/main" xmlns="" w="9525">
                     <a:solidFill>
                       <a:srgbClr val="000000"/>
                     </a:solidFill>
@@ -15199,7 +15191,7 @@
               </a:ln>
               <a:extLst>
                 <a:ext uri="{91240B29-F687-4f45-9708-019B960494DF}">
-                  <a14:hiddenLine xmlns="" xmlns:a14="http://schemas.microsoft.com/office/drawing/2010/main" w="9525">
+                  <a14:hiddenLine xmlns:a14="http://schemas.microsoft.com/office/drawing/2010/main" xmlns="" w="9525">
                     <a:solidFill>
                       <a:srgbClr val="000000"/>
                     </a:solidFill>
@@ -15289,7 +15281,7 @@
               </a:ln>
               <a:extLst>
                 <a:ext uri="{91240B29-F687-4f45-9708-019B960494DF}">
-                  <a14:hiddenLine xmlns="" xmlns:a14="http://schemas.microsoft.com/office/drawing/2010/main" w="9525">
+                  <a14:hiddenLine xmlns:a14="http://schemas.microsoft.com/office/drawing/2010/main" xmlns="" w="9525">
                     <a:solidFill>
                       <a:srgbClr val="000000"/>
                     </a:solidFill>
@@ -15357,7 +15349,7 @@
               </a:ln>
               <a:extLst>
                 <a:ext uri="{91240B29-F687-4f45-9708-019B960494DF}">
-                  <a14:hiddenLine xmlns="" xmlns:a14="http://schemas.microsoft.com/office/drawing/2010/main" w="9525">
+                  <a14:hiddenLine xmlns:a14="http://schemas.microsoft.com/office/drawing/2010/main" xmlns="" w="9525">
                     <a:solidFill>
                       <a:srgbClr val="000000"/>
                     </a:solidFill>
@@ -15447,7 +15439,7 @@
               </a:ln>
               <a:extLst>
                 <a:ext uri="{91240B29-F687-4f45-9708-019B960494DF}">
-                  <a14:hiddenLine xmlns="" xmlns:a14="http://schemas.microsoft.com/office/drawing/2010/main" w="9525">
+                  <a14:hiddenLine xmlns:a14="http://schemas.microsoft.com/office/drawing/2010/main" xmlns="" w="9525">
                     <a:solidFill>
                       <a:srgbClr val="000000"/>
                     </a:solidFill>
@@ -15515,7 +15507,7 @@
               </a:ln>
               <a:extLst>
                 <a:ext uri="{91240B29-F687-4f45-9708-019B960494DF}">
-                  <a14:hiddenLine xmlns="" xmlns:a14="http://schemas.microsoft.com/office/drawing/2010/main" w="9525">
+                  <a14:hiddenLine xmlns:a14="http://schemas.microsoft.com/office/drawing/2010/main" xmlns="" w="9525">
                     <a:solidFill>
                       <a:srgbClr val="000000"/>
                     </a:solidFill>
@@ -15605,7 +15597,7 @@
               </a:ln>
               <a:extLst>
                 <a:ext uri="{91240B29-F687-4f45-9708-019B960494DF}">
-                  <a14:hiddenLine xmlns="" xmlns:a14="http://schemas.microsoft.com/office/drawing/2010/main" w="9525">
+                  <a14:hiddenLine xmlns:a14="http://schemas.microsoft.com/office/drawing/2010/main" xmlns="" w="9525">
                     <a:solidFill>
                       <a:srgbClr val="000000"/>
                     </a:solidFill>
@@ -15639,7 +15631,7 @@
               </a:ln>
               <a:extLst>
                 <a:ext uri="{91240B29-F687-4f45-9708-019B960494DF}">
-                  <a14:hiddenLine xmlns="" xmlns:a14="http://schemas.microsoft.com/office/drawing/2010/main" w="9525">
+                  <a14:hiddenLine xmlns:a14="http://schemas.microsoft.com/office/drawing/2010/main" xmlns="" w="9525">
                     <a:solidFill>
                       <a:srgbClr val="000000"/>
                     </a:solidFill>
@@ -16286,42 +16278,18 @@
         </p:spPr>
         <p:txBody>
           <a:bodyPr>
-            <a:normAutofit fontScale="92500" lnSpcReduction="20000"/>
+            <a:normAutofit/>
           </a:bodyPr>
           <a:lstStyle/>
           <a:p>
             <a:pPr algn="l"/>
             <a:r>
-              <a:rPr lang="pl-PL" dirty="0" smtClean="0"/>
-              <a:t>Michał Roman</a:t>
+              <a:rPr lang="pl-PL" smtClean="0"/>
+              <a:t>Krzysztof </a:t>
             </a:r>
-          </a:p>
-          <a:p>
-            <a:pPr algn="l"/>
             <a:r>
               <a:rPr lang="pl-PL" dirty="0" smtClean="0"/>
-              <a:t>Bartłomiej Styczeń</a:t>
-            </a:r>
-          </a:p>
-          <a:p>
-            <a:pPr algn="l"/>
-            <a:r>
-              <a:rPr lang="pl-PL" dirty="0" smtClean="0"/>
-              <a:t>Paweł Węgrzyn</a:t>
-            </a:r>
-          </a:p>
-          <a:p>
-            <a:pPr algn="l"/>
-            <a:r>
-              <a:rPr lang="pl-PL" dirty="0" smtClean="0"/>
-              <a:t>Daniel Hyjek</a:t>
-            </a:r>
-          </a:p>
-          <a:p>
-            <a:pPr algn="l"/>
-            <a:r>
-              <a:rPr lang="pl-PL" dirty="0" smtClean="0"/>
-              <a:t>Krzysztof Marszałek</a:t>
+              <a:t>Marszałek</a:t>
             </a:r>
             <a:endParaRPr lang="pl-PL" dirty="0"/>
           </a:p>
